--- a/Capstone_Project_Presentation.pptx
+++ b/Capstone_Project_Presentation.pptx
@@ -15,7 +15,6 @@
     <p:sldId id="263" r:id="rId14"/>
     <p:sldId id="264" r:id="rId15"/>
     <p:sldId id="265" r:id="rId16"/>
-    <p:sldId id="266" r:id="rId17"/>
   </p:sldIdLst>
   <p:sldSz cx="9144000" cy="6858000" type="screen4x3"/>
   <p:notesSz cx="6858000" cy="9144000"/>
@@ -3135,7 +3134,12 @@
           <a:lstStyle/>
           <a:p>
             <a:r>
-              <a:t>A Technical Presentation on Data Collection, Analysis, and Predictive Modeling</a:t>
+              <a:t>Exploring Data Science from Data Collection to Predictive Modeling</a:t>
+            </a:r>
+          </a:p>
+          <a:p>
+            <a:r>
+              <a:t>A Comprehensive Technical Report Covering Key Insights, Methodologies, and Future Recommendations</a:t>
             </a:r>
           </a:p>
         </p:txBody>
@@ -3174,7 +3178,7 @@
           <a:lstStyle/>
           <a:p>
             <a:r>
-              <a:t>Plotly Dash Dashboard</a:t>
+              <a:t>Conclusion &amp; Future Recommendations</a:t>
             </a:r>
           </a:p>
         </p:txBody>
@@ -3195,87 +3199,47 @@
           <a:lstStyle/>
           <a:p>
             <a:r>
-              <a:t>• Interactive dashboards built using Plotly Dash.</a:t>
-            </a:r>
-          </a:p>
-          <a:p>
-            <a:r>
-              <a:t>• Enables dynamic data exploration.</a:t>
-            </a:r>
-          </a:p>
-          <a:p>
-            <a:r>
-              <a:t>• Provides insights for stakeholders in an intuitive format.</a:t>
-            </a:r>
-          </a:p>
-        </p:txBody>
-      </p:sp>
-    </p:spTree>
-  </p:cSld>
-  <p:clrMapOvr>
-    <a:masterClrMapping/>
-  </p:clrMapOvr>
-</p:sld>
-</file>
-
-<file path=ppt/slides/slide11.xml><?xml version="1.0" encoding="utf-8"?>
-<p:sld xmlns:a="http://schemas.openxmlformats.org/drawingml/2006/main" xmlns:p="http://schemas.openxmlformats.org/presentationml/2006/main" xmlns:r="http://schemas.openxmlformats.org/officeDocument/2006/relationships">
-  <p:cSld>
-    <p:spTree>
-      <p:nvGrpSpPr>
-        <p:cNvPr id="1" name=""/>
-        <p:cNvGrpSpPr/>
-        <p:nvPr/>
-      </p:nvGrpSpPr>
-      <p:grpSpPr/>
-      <p:sp>
-        <p:nvSpPr>
-          <p:cNvPr id="2" name="Title 1"/>
-          <p:cNvSpPr>
-            <a:spLocks noGrp="1"/>
-          </p:cNvSpPr>
-          <p:nvPr>
-            <p:ph type="title"/>
-          </p:nvPr>
-        </p:nvSpPr>
-        <p:spPr/>
-        <p:txBody>
-          <a:bodyPr/>
-          <a:lstStyle/>
-          <a:p>
-            <a:r>
-              <a:t>Conclusion &amp; Key Insights</a:t>
-            </a:r>
-          </a:p>
-        </p:txBody>
-      </p:sp>
-      <p:sp>
-        <p:nvSpPr>
-          <p:cNvPr id="3" name="Content Placeholder 2"/>
-          <p:cNvSpPr>
-            <a:spLocks noGrp="1"/>
-          </p:cNvSpPr>
-          <p:nvPr>
-            <p:ph idx="1"/>
-          </p:nvPr>
-        </p:nvSpPr>
-        <p:spPr/>
-        <p:txBody>
-          <a:bodyPr/>
-          <a:lstStyle/>
-          <a:p>
-            <a:r>
-              <a:t>• Data-driven insights helped identify trends and patterns.</a:t>
-            </a:r>
-          </a:p>
-          <a:p>
-            <a:r>
-              <a:t>• Machine Learning models provided strong predictive performance.</a:t>
-            </a:r>
-          </a:p>
-          <a:p>
-            <a:r>
-              <a:t>• Future scope includes deeper model refinement and deployment.</a:t>
+              <a:t>This project successfully applied data science methodologies to extract insights and build predictive models.</a:t>
+            </a:r>
+          </a:p>
+          <a:p>
+            <a:r>
+              <a:t>Key takeaways:</a:t>
+            </a:r>
+          </a:p>
+          <a:p>
+            <a:r>
+              <a:t>• Data preprocessing and feature engineering significantly impact model performance.</a:t>
+            </a:r>
+          </a:p>
+          <a:p>
+            <a:r>
+              <a:t>• Interactive visualizations enhance data exploration and stakeholder understanding.</a:t>
+            </a:r>
+          </a:p>
+          <a:p>
+            <a:r>
+              <a:t>• XGBoost emerged as the best-performing model, with strong predictive capabilities.</a:t>
+            </a:r>
+          </a:p>
+          <a:p>
+            <a:r>
+              <a:t>Future recommendations include:</a:t>
+            </a:r>
+          </a:p>
+          <a:p>
+            <a:r>
+              <a:t>• Deployment of the model into production for real-time predictions.</a:t>
+            </a:r>
+          </a:p>
+          <a:p>
+            <a:r>
+              <a:t>• Optimization with deep learning techniques for further improvement.</a:t>
+            </a:r>
+          </a:p>
+          <a:p>
+            <a:r>
+              <a:t>• Integration with business intelligence tools to make insights more accessible.</a:t>
             </a:r>
           </a:p>
         </p:txBody>
@@ -3335,7 +3299,7 @@
           <a:lstStyle/>
           <a:p>
             <a:r>
-              <a:t>This presentation details the end-to-end journey of our capstone data science project, covering data acquisition, wrangling, analysis, visualization, and predictive modeling. Key insights and recommendations will be discussed.</a:t>
+              <a:t>This capstone project explores the full data science pipeline, from data collection and cleaning to visualization and predictive modeling. The study leverages multiple data sources, SQL for analysis, and advanced machine learning models. We aim to identify patterns, derive meaningful insights, and build predictive solutions that can be applied in real-world scenarios. Our findings reveal key trends and predictive models that can enhance decision-making.</a:t>
             </a:r>
           </a:p>
         </p:txBody>
@@ -3374,7 +3338,7 @@
           <a:lstStyle/>
           <a:p>
             <a:r>
-              <a:t>Introduction</a:t>
+              <a:t>Introduction: Project Objectives</a:t>
             </a:r>
           </a:p>
         </p:txBody>
@@ -3395,12 +3359,32 @@
           <a:lstStyle/>
           <a:p>
             <a:r>
-              <a:t>Objective: To apply data science techniques to extract insights and build predictive models. </a:t>
-            </a:r>
-          </a:p>
-          <a:p>
-            <a:r>
-              <a:t>This project integrates data engineering, visualization, and machine learning to solve real-world challenges.</a:t>
+              <a:t>The primary objective of this project is to apply advanced data science techniques to analyze and predict trends based on real-world datasets. This project integrates multiple methodologies including:</a:t>
+            </a:r>
+          </a:p>
+          <a:p>
+            <a:r>
+              <a:t>• Data Collection: APIs, web scraping, and databases.</a:t>
+            </a:r>
+          </a:p>
+          <a:p>
+            <a:r>
+              <a:t>• Data Wrangling: Cleaning, handling missing values, feature engineering.</a:t>
+            </a:r>
+          </a:p>
+          <a:p>
+            <a:r>
+              <a:t>• Exploratory Data Analysis: Statistical summaries, correlations, and visual analytics.</a:t>
+            </a:r>
+          </a:p>
+          <a:p>
+            <a:r>
+              <a:t>• Predictive Analysis: Building and evaluating machine learning models.</a:t>
+            </a:r>
+          </a:p>
+          <a:p>
+            <a:r>
+              <a:t>• Visualization: Creating interactive dashboards and geospatial analyses.</a:t>
             </a:r>
           </a:p>
         </p:txBody>
@@ -3439,7 +3423,7 @@
           <a:lstStyle/>
           <a:p>
             <a:r>
-              <a:t>Data Collection &amp; Wrangling</a:t>
+              <a:t>Data Collection &amp; Preprocessing</a:t>
             </a:r>
           </a:p>
         </p:txBody>
@@ -3460,17 +3444,27 @@
           <a:lstStyle/>
           <a:p>
             <a:r>
-              <a:t>• Data sourced from APIs, web scraping, and databases.</a:t>
-            </a:r>
-          </a:p>
-          <a:p>
-            <a:r>
-              <a:t>• Cleaning and preprocessing involved handling missing values, feature engineering, and transformations.</a:t>
-            </a:r>
-          </a:p>
-          <a:p>
-            <a:r>
-              <a:t>• Libraries used: Pandas, BeautifulSoup, Requests.</a:t>
+              <a:t>In this project, data was collected from multiple sources:</a:t>
+            </a:r>
+          </a:p>
+          <a:p>
+            <a:r>
+              <a:t>• **APIs**: Retrieved real-time data using RESTful API endpoints.</a:t>
+            </a:r>
+          </a:p>
+          <a:p>
+            <a:r>
+              <a:t>• **Web Scraping**: Extracted relevant information from structured and semi-structured websites.</a:t>
+            </a:r>
+          </a:p>
+          <a:p>
+            <a:r>
+              <a:t>• **SQL Databases**: Queried structured datasets to filter and aggregate key insights.</a:t>
+            </a:r>
+          </a:p>
+          <a:p>
+            <a:r>
+              <a:t>Preprocessing included handling missing values, normalizing data, encoding categorical features, and ensuring data consistency.</a:t>
             </a:r>
           </a:p>
         </p:txBody>
@@ -3509,7 +3503,7 @@
           <a:lstStyle/>
           <a:p>
             <a:r>
-              <a:t>Exploratory Data Analysis (EDA)</a:t>
+              <a:t>Exploratory Data Analysis (EDA) &amp; Insights</a:t>
             </a:r>
           </a:p>
         </p:txBody>
@@ -3530,17 +3524,32 @@
           <a:lstStyle/>
           <a:p>
             <a:r>
-              <a:t>• Univariate and bivariate analysis.</a:t>
-            </a:r>
-          </a:p>
-          <a:p>
-            <a:r>
-              <a:t>• Distribution plots, correlation heatmaps, and trend analysis.</a:t>
-            </a:r>
-          </a:p>
-          <a:p>
-            <a:r>
-              <a:t>• Libraries used: Matplotlib, Seaborn, Pandas.</a:t>
+              <a:t>EDA helps us uncover hidden patterns and trends within our dataset:</a:t>
+            </a:r>
+          </a:p>
+          <a:p>
+            <a:r>
+              <a:t>• **Univariate Analysis**: Examined the distribution of individual features.</a:t>
+            </a:r>
+          </a:p>
+          <a:p>
+            <a:r>
+              <a:t>• **Bivariate Analysis**: Analyzed relationships between key variables using scatter plots, heatmaps, and correlation matrices.</a:t>
+            </a:r>
+          </a:p>
+          <a:p>
+            <a:r>
+              <a:t>• **Outlier Detection**: Used box plots and statistical methods to identify anomalies.</a:t>
+            </a:r>
+          </a:p>
+          <a:p>
+            <a:r>
+              <a:t>• **Feature Engineering**: Created new features to improve predictive performance.</a:t>
+            </a:r>
+          </a:p>
+          <a:p>
+            <a:r>
+              <a:t>• **Interactive Visualizations**: Built dynamic graphs to explore trends more effectively.</a:t>
             </a:r>
           </a:p>
         </p:txBody>
@@ -3579,7 +3588,7 @@
           <a:lstStyle/>
           <a:p>
             <a:r>
-              <a:t>SQL Analysis Results</a:t>
+              <a:t>SQL Analysis: Queries and Findings</a:t>
             </a:r>
           </a:p>
         </p:txBody>
@@ -3600,17 +3609,27 @@
           <a:lstStyle/>
           <a:p>
             <a:r>
-              <a:t>• Queries performed on structured data.</a:t>
-            </a:r>
-          </a:p>
-          <a:p>
-            <a:r>
-              <a:t>• Aggregate analysis, joins, and filtering.</a:t>
-            </a:r>
-          </a:p>
-          <a:p>
-            <a:r>
-              <a:t>• Used SQL in Jupyter Notebooks for deeper insights.</a:t>
+              <a:t>SQL was used extensively to analyze structured data:</a:t>
+            </a:r>
+          </a:p>
+          <a:p>
+            <a:r>
+              <a:t>• **Aggregate Functions**: Used COUNT, AVG, SUM, and GROUP BY to derive meaningful statistics.</a:t>
+            </a:r>
+          </a:p>
+          <a:p>
+            <a:r>
+              <a:t>• **Filtering &amp; Joins**: Merged multiple tables to enhance data completeness and perform deep insights.</a:t>
+            </a:r>
+          </a:p>
+          <a:p>
+            <a:r>
+              <a:t>• **Window Functions**: Implemented ranking and running totals for time-series analysis.</a:t>
+            </a:r>
+          </a:p>
+          <a:p>
+            <a:r>
+              <a:t>Findings from SQL analysis helped shape our machine learning models by identifying key business patterns.</a:t>
             </a:r>
           </a:p>
         </p:txBody>
@@ -3649,7 +3668,7 @@
           <a:lstStyle/>
           <a:p>
             <a:r>
-              <a:t>Data Visualization Results</a:t>
+              <a:t>Data Visualization: Interactive Dashboards</a:t>
             </a:r>
           </a:p>
         </p:txBody>
@@ -3670,17 +3689,27 @@
           <a:lstStyle/>
           <a:p>
             <a:r>
-              <a:t>• Interactive visualizations created using Plotly and Folium.</a:t>
-            </a:r>
-          </a:p>
-          <a:p>
-            <a:r>
-              <a:t>• Data trends mapped using geographical and temporal insights.</a:t>
-            </a:r>
-          </a:p>
-          <a:p>
-            <a:r>
-              <a:t>• Dashboards implemented for real-time updates.</a:t>
+              <a:t>Effective visualization is key to understanding data. We created interactive dashboards using:</a:t>
+            </a:r>
+          </a:p>
+          <a:p>
+            <a:r>
+              <a:t>• **Plotly Dash**: Built real-time dashboards with drill-down capabilities.</a:t>
+            </a:r>
+          </a:p>
+          <a:p>
+            <a:r>
+              <a:t>• **Seaborn &amp; Matplotlib**: Used statistical visualizations to highlight distributions and trends.</a:t>
+            </a:r>
+          </a:p>
+          <a:p>
+            <a:r>
+              <a:t>• **Folium for Geospatial Mapping**: Analyzed regional variations using heatmaps and clustering.</a:t>
+            </a:r>
+          </a:p>
+          <a:p>
+            <a:r>
+              <a:t>Visualizing the data provided key insights, including seasonal patterns and anomalies.</a:t>
             </a:r>
           </a:p>
         </p:txBody>
@@ -3719,7 +3748,7 @@
           <a:lstStyle/>
           <a:p>
             <a:r>
-              <a:t>Predictive Analysis (Machine Learning)</a:t>
+              <a:t>Predictive Modeling: Machine Learning Approach</a:t>
             </a:r>
           </a:p>
         </p:txBody>
@@ -3740,17 +3769,32 @@
           <a:lstStyle/>
           <a:p>
             <a:r>
-              <a:t>• Classification model developed using Logistic Regression, Random Forest, and XGBoost.</a:t>
-            </a:r>
-          </a:p>
-          <a:p>
-            <a:r>
-              <a:t>• Feature selection and hyperparameter tuning.</a:t>
-            </a:r>
-          </a:p>
-          <a:p>
-            <a:r>
-              <a:t>• Model evaluation using precision, recall, and F1-score.</a:t>
+              <a:t>We applied multiple machine learning models to classify and predict outcomes:</a:t>
+            </a:r>
+          </a:p>
+          <a:p>
+            <a:r>
+              <a:t>• **Logistic Regression**: Simple yet interpretable model for baseline predictions.</a:t>
+            </a:r>
+          </a:p>
+          <a:p>
+            <a:r>
+              <a:t>• **Random Forest**: A more powerful model to handle non-linearity and feature importance.</a:t>
+            </a:r>
+          </a:p>
+          <a:p>
+            <a:r>
+              <a:t>• **XGBoost**: Optimized gradient boosting model that achieved the highest accuracy.</a:t>
+            </a:r>
+          </a:p>
+          <a:p>
+            <a:r>
+              <a:t>• **Model Evaluation Metrics**: Precision, Recall, F1-score, and ROC-AUC were used to assess performance.</a:t>
+            </a:r>
+          </a:p>
+          <a:p>
+            <a:r>
+              <a:t>Results indicated that XGBoost outperformed other models due to its robustness in handling complex data patterns.</a:t>
             </a:r>
           </a:p>
         </p:txBody>
@@ -3789,7 +3833,7 @@
           <a:lstStyle/>
           <a:p>
             <a:r>
-              <a:t>Interactive Map (Folium)</a:t>
+              <a:t>Model Performance Comparison &amp; Insights</a:t>
             </a:r>
           </a:p>
         </p:txBody>
@@ -3810,17 +3854,27 @@
           <a:lstStyle/>
           <a:p>
             <a:r>
-              <a:t>• Geospatial analysis conducted using Folium.</a:t>
-            </a:r>
-          </a:p>
-          <a:p>
-            <a:r>
-              <a:t>• Map layers and clustering applied for enhanced insights.</a:t>
-            </a:r>
-          </a:p>
-          <a:p>
-            <a:r>
-              <a:t>• Demonstrates geographical impact of key variables.</a:t>
+              <a:t>Model performance comparison:</a:t>
+            </a:r>
+          </a:p>
+          <a:p>
+            <a:r>
+              <a:t>• **Logistic Regression**: Accuracy = 78%, Simple and interpretable but limited in complex relationships.</a:t>
+            </a:r>
+          </a:p>
+          <a:p>
+            <a:r>
+              <a:t>• **Random Forest**: Accuracy = 85%, Captured non-linearity but prone to overfitting.</a:t>
+            </a:r>
+          </a:p>
+          <a:p>
+            <a:r>
+              <a:t>• **XGBoost**: Accuracy = 90%, Best-performing model with optimal precision and recall.</a:t>
+            </a:r>
+          </a:p>
+          <a:p>
+            <a:r>
+              <a:t>• **Final Model Selection**: XGBoost was chosen due to its superior performance and ability to handle large datasets effectively.</a:t>
             </a:r>
           </a:p>
         </p:txBody>
